--- a/dbyrne_predicting_nfl_scores.pptx
+++ b/dbyrne_predicting_nfl_scores.pptx
@@ -14786,7 +14786,7 @@
           <a:p>
             <a:r>
               <a:rPr lang="en-US" b="1" dirty="0"/>
-              <a:t>Time Series Modeling of NFL Games for Predicting Betting Lines</a:t>
+              <a:t>Time Series Modeling of NFL Games to Predict Betting Lines</a:t>
             </a:r>
             <a:endParaRPr lang="en-US" dirty="0"/>
           </a:p>
@@ -25834,7 +25834,7 @@
         </p:spPr>
         <p:txBody>
           <a:bodyPr>
-            <a:normAutofit fontScale="85000" lnSpcReduction="10000"/>
+            <a:normAutofit fontScale="85000" lnSpcReduction="20000"/>
           </a:bodyPr>
           <a:lstStyle/>
           <a:p>
@@ -25868,7 +25868,7 @@
             </a:pPr>
             <a:r>
               <a:rPr lang="en-US" cap="none" dirty="0"/>
-              <a:t>This fact has driven bettors to rely on linear time invariant models for predicting games, scores, rushing yards etc.</a:t>
+              <a:t>Players and Teams tend to revert to their mean</a:t>
             </a:r>
           </a:p>
           <a:p>
@@ -25878,7 +25878,7 @@
             </a:pPr>
             <a:r>
               <a:rPr lang="en-US" cap="none" dirty="0"/>
-              <a:t>Modifications are made for Home/Away, Weather,  and Travel, etc.</a:t>
+              <a:t>This fact has driven bettors to rely on linear time invariant models for predicting games, scores, rushing yards etc.</a:t>
             </a:r>
           </a:p>
           <a:p>
@@ -25888,15 +25888,8 @@
             </a:pPr>
             <a:r>
               <a:rPr lang="en-US" cap="none" dirty="0"/>
-              <a:t>Wrong 45 - 47% of the time.</a:t>
+              <a:t>Vegas makes modifications to predictions for Home/Away, Weather, and Travel, etc. to help improve these mean based predictions.  However, they are wrong 45 - 47% of the time.</a:t>
             </a:r>
-          </a:p>
-          <a:p>
-            <a:pPr marL="285750" indent="-285750" algn="l">
-              <a:buFont typeface="Arial" panose="020B0604020202020204" pitchFamily="34" charset="0"/>
-              <a:buChar char="•"/>
-            </a:pPr>
-            <a:endParaRPr lang="en-US" cap="none" dirty="0"/>
           </a:p>
           <a:p>
             <a:pPr marL="285750" indent="-285750" algn="l">
@@ -26149,55 +26142,6 @@
                                           <p:spTgt spid="4">
                                             <p:txEl>
                                               <p:pRg st="3" end="3"/>
-                                            </p:txEl>
-                                          </p:spTgt>
-                                        </p:tgtEl>
-                                        <p:attrNameLst>
-                                          <p:attrName>style.visibility</p:attrName>
-                                        </p:attrNameLst>
-                                      </p:cBhvr>
-                                      <p:to>
-                                        <p:strVal val="visible"/>
-                                      </p:to>
-                                    </p:set>
-                                  </p:childTnLst>
-                                </p:cTn>
-                              </p:par>
-                            </p:childTnLst>
-                          </p:cTn>
-                        </p:par>
-                      </p:childTnLst>
-                    </p:cTn>
-                  </p:par>
-                  <p:par>
-                    <p:cTn id="19" fill="hold">
-                      <p:stCondLst>
-                        <p:cond delay="indefinite"/>
-                      </p:stCondLst>
-                      <p:childTnLst>
-                        <p:par>
-                          <p:cTn id="20" fill="hold">
-                            <p:stCondLst>
-                              <p:cond delay="0"/>
-                            </p:stCondLst>
-                            <p:childTnLst>
-                              <p:par>
-                                <p:cTn id="21" presetID="1" presetClass="entr" presetSubtype="0" fill="hold" grpId="0" nodeType="clickEffect">
-                                  <p:stCondLst>
-                                    <p:cond delay="0"/>
-                                  </p:stCondLst>
-                                  <p:childTnLst>
-                                    <p:set>
-                                      <p:cBhvr>
-                                        <p:cTn id="22" dur="1" fill="hold">
-                                          <p:stCondLst>
-                                            <p:cond delay="0"/>
-                                          </p:stCondLst>
-                                        </p:cTn>
-                                        <p:tgtEl>
-                                          <p:spTgt spid="4">
-                                            <p:txEl>
-                                              <p:pRg st="4" end="4"/>
                                             </p:txEl>
                                           </p:spTgt>
                                         </p:tgtEl>
@@ -26765,7 +26709,7 @@
                   <a:schemeClr val="bg1"/>
                 </a:solidFill>
               </a:rPr>
-              <a:t>The wandering and cyclic behaviors in stats are a mirror of real life</a:t>
+              <a:t>The wandering and cyclic behaviors evident in stats are a mirror into real life</a:t>
             </a:r>
           </a:p>
           <a:p>
@@ -26799,39 +26743,8 @@
                   <a:schemeClr val="bg1"/>
                 </a:solidFill>
               </a:rPr>
-              <a:t>Combinations of players all having a good game can raise the expectation of the team winning that game</a:t>
+              <a:t>When all players on a team have a good game, that can raise the expectation of the team winning</a:t>
             </a:r>
-          </a:p>
-          <a:p>
-            <a:pPr marL="57150" indent="-285750" algn="l">
-              <a:buClr>
-                <a:schemeClr val="bg1"/>
-              </a:buClr>
-              <a:buFont typeface="Arial" panose="020B0604020202020204" pitchFamily="34" charset="0"/>
-              <a:buChar char="•"/>
-            </a:pPr>
-            <a:r>
-              <a:rPr lang="en-US" sz="1600" cap="none" dirty="0">
-                <a:solidFill>
-                  <a:schemeClr val="bg1"/>
-                </a:solidFill>
-              </a:rPr>
-              <a:t>Different seasons can be considered different realizations</a:t>
-            </a:r>
-          </a:p>
-          <a:p>
-            <a:pPr marL="57150" indent="-285750" algn="l">
-              <a:buClr>
-                <a:schemeClr val="bg1"/>
-              </a:buClr>
-              <a:buFont typeface="Arial" panose="020B0604020202020204" pitchFamily="34" charset="0"/>
-              <a:buChar char="•"/>
-            </a:pPr>
-            <a:endParaRPr lang="en-US" sz="1600" cap="none" dirty="0">
-              <a:solidFill>
-                <a:schemeClr val="bg1"/>
-              </a:solidFill>
-            </a:endParaRPr>
           </a:p>
         </p:txBody>
       </p:sp>
@@ -27025,55 +26938,6 @@
                                           <p:spTgt spid="4">
                                             <p:txEl>
                                               <p:pRg st="2" end="2"/>
-                                            </p:txEl>
-                                          </p:spTgt>
-                                        </p:tgtEl>
-                                        <p:attrNameLst>
-                                          <p:attrName>style.visibility</p:attrName>
-                                        </p:attrNameLst>
-                                      </p:cBhvr>
-                                      <p:to>
-                                        <p:strVal val="visible"/>
-                                      </p:to>
-                                    </p:set>
-                                  </p:childTnLst>
-                                </p:cTn>
-                              </p:par>
-                            </p:childTnLst>
-                          </p:cTn>
-                        </p:par>
-                      </p:childTnLst>
-                    </p:cTn>
-                  </p:par>
-                  <p:par>
-                    <p:cTn id="15" fill="hold">
-                      <p:stCondLst>
-                        <p:cond delay="indefinite"/>
-                      </p:stCondLst>
-                      <p:childTnLst>
-                        <p:par>
-                          <p:cTn id="16" fill="hold">
-                            <p:stCondLst>
-                              <p:cond delay="0"/>
-                            </p:stCondLst>
-                            <p:childTnLst>
-                              <p:par>
-                                <p:cTn id="17" presetID="1" presetClass="entr" presetSubtype="0" fill="hold" grpId="0" nodeType="clickEffect">
-                                  <p:stCondLst>
-                                    <p:cond delay="0"/>
-                                  </p:stCondLst>
-                                  <p:childTnLst>
-                                    <p:set>
-                                      <p:cBhvr>
-                                        <p:cTn id="18" dur="1" fill="hold">
-                                          <p:stCondLst>
-                                            <p:cond delay="0"/>
-                                          </p:stCondLst>
-                                        </p:cTn>
-                                        <p:tgtEl>
-                                          <p:spTgt spid="4">
-                                            <p:txEl>
-                                              <p:pRg st="3" end="3"/>
                                             </p:txEl>
                                           </p:spTgt>
                                         </p:tgtEl>
@@ -27577,8 +27441,8 @@
         </p:nvSpPr>
         <p:spPr>
           <a:xfrm>
-            <a:off x="8006592" y="2071048"/>
-            <a:ext cx="3076090" cy="3072290"/>
+            <a:off x="8006591" y="2071048"/>
+            <a:ext cx="3410345" cy="3072290"/>
           </a:xfrm>
         </p:spPr>
         <p:txBody>
@@ -27592,7 +27456,7 @@
               <a:buChar char="•"/>
             </a:pPr>
             <a:r>
-              <a:rPr lang="en-US" sz="1800" dirty="0"/>
+              <a:rPr lang="en-US" sz="1800" cap="none" dirty="0"/>
               <a:t>Stats resemble stationary time series</a:t>
             </a:r>
           </a:p>
@@ -27602,7 +27466,7 @@
               <a:buChar char="•"/>
             </a:pPr>
             <a:r>
-              <a:rPr lang="en-US" sz="1800" dirty="0"/>
+              <a:rPr lang="en-US" sz="1800" cap="none" dirty="0"/>
               <a:t>Mean and variance do not dependent on time</a:t>
             </a:r>
           </a:p>
@@ -27612,30 +27476,48 @@
               <a:buChar char="•"/>
             </a:pPr>
             <a:r>
-              <a:rPr lang="en-US" sz="1800" dirty="0"/>
-              <a:t>We are also assuming that the correlation of two points </a:t>
+              <a:rPr lang="en-US" sz="1800" cap="none" dirty="0"/>
+              <a:t>We also assume that the correlation of two points  </a:t>
             </a:r>
             <a:r>
-              <a:rPr lang="en-US" sz="1800" i="1" dirty="0">
-                <a:latin typeface="Arial" panose="020B0604020202020204" pitchFamily="34" charset="0"/>
-                <a:cs typeface="Arial" panose="020B0604020202020204" pitchFamily="34" charset="0"/>
+              <a:rPr lang="en-US" sz="1800" i="1" cap="none" dirty="0">
+                <a:latin typeface="Big Caslon Medium" panose="02000603090000020003" pitchFamily="2" charset="-79"/>
+                <a:cs typeface="Big Caslon Medium" panose="02000603090000020003" pitchFamily="2" charset="-79"/>
               </a:rPr>
               <a:t>t1 and t2</a:t>
             </a:r>
             <a:r>
-              <a:rPr lang="en-US" sz="1800" dirty="0"/>
-              <a:t> depend only on how far apart they are</a:t>
+              <a:rPr lang="en-US" sz="1800" cap="none" dirty="0">
+                <a:latin typeface="Big Caslon Medium" panose="02000603090000020003" pitchFamily="2" charset="-79"/>
+                <a:cs typeface="Big Caslon Medium" panose="02000603090000020003" pitchFamily="2" charset="-79"/>
+              </a:rPr>
+              <a:t> </a:t>
             </a:r>
-          </a:p>
-          <a:p>
-            <a:endParaRPr lang="en-US" sz="1800" dirty="0"/>
+            <a:r>
+              <a:rPr lang="en-US" sz="1800" cap="none" dirty="0"/>
+              <a:t>depends only on how far apart they are thus satisfying the 3 conditions </a:t>
+            </a:r>
+            <a:r>
+              <a:rPr lang="en-US" sz="1800" cap="none"/>
+              <a:t>of Stationarity</a:t>
+            </a:r>
           </a:p>
           <a:p>
             <a:pPr indent="-228600">
               <a:buFont typeface="Arial" panose="020B0604020202020204" pitchFamily="34" charset="0"/>
               <a:buChar char="•"/>
             </a:pPr>
-            <a:endParaRPr lang="en-US" sz="1800" dirty="0"/>
+            <a:endParaRPr lang="en-US" sz="1800" cap="none" dirty="0"/>
+          </a:p>
+          <a:p>
+            <a:endParaRPr lang="en-US" sz="1800" cap="none" dirty="0"/>
+          </a:p>
+          <a:p>
+            <a:pPr indent="-228600">
+              <a:buFont typeface="Arial" panose="020B0604020202020204" pitchFamily="34" charset="0"/>
+              <a:buChar char="•"/>
+            </a:pPr>
+            <a:endParaRPr lang="en-US" sz="1800" cap="none" dirty="0"/>
           </a:p>
         </p:txBody>
       </p:sp>

--- a/dbyrne_predicting_nfl_scores.pptx
+++ b/dbyrne_predicting_nfl_scores.pptx
@@ -2932,8 +2932,8 @@
     <dgm:cxn modelId="{CE05D409-6A92-4C87-BBCB-F452F45DCA75}" srcId="{C96F3859-7270-40CA-BA2C-16ACC755EDB9}" destId="{6C0AF0E2-838F-4932-9844-F82C9A592BE9}" srcOrd="0" destOrd="0" parTransId="{21EE9372-B3E2-404B-9170-F8C0FB8341B3}" sibTransId="{1FCFB73E-9D98-44AF-B778-018E87D66E9B}"/>
     <dgm:cxn modelId="{2B2D1110-2337-4AD1-8BAD-1E3C6C16E4A9}" type="presOf" srcId="{12E3BADD-C8C5-4022-9C26-D5F2D8BB16DE}" destId="{07AEB974-1201-4CDB-8171-17483D8C846F}" srcOrd="0" destOrd="0" presId="urn:microsoft.com/office/officeart/2018/2/layout/IconVerticalSolidList"/>
     <dgm:cxn modelId="{256DEB14-4546-40EC-B127-B3E86119DCC4}" type="presOf" srcId="{65688A02-4C5E-46A2-9F3A-49CACCB8AD15}" destId="{5D2E2678-0BCE-4882-83AF-3DB86B05D462}" srcOrd="0" destOrd="0" presId="urn:microsoft.com/office/officeart/2018/2/layout/IconVerticalSolidList"/>
+    <dgm:cxn modelId="{49EB4068-FD86-4127-89CB-2F198A17C1CF}" srcId="{C96F3859-7270-40CA-BA2C-16ACC755EDB9}" destId="{12E3BADD-C8C5-4022-9C26-D5F2D8BB16DE}" srcOrd="2" destOrd="0" parTransId="{3C4F4678-AA73-4DBF-81E4-5E380D2FAFE7}" sibTransId="{8181F098-EFA9-491D-B0EC-A64C885CF3FC}"/>
     <dgm:cxn modelId="{FF70B34C-95C9-4891-B84B-83E184EE27AC}" type="presOf" srcId="{BB6F4735-BFBD-4459-B71D-5BE6292C8CD9}" destId="{1CB1A148-3822-4F2A-8FD3-3436D14E25EF}" srcOrd="0" destOrd="0" presId="urn:microsoft.com/office/officeart/2018/2/layout/IconVerticalSolidList"/>
-    <dgm:cxn modelId="{49EB4068-FD86-4127-89CB-2F198A17C1CF}" srcId="{C96F3859-7270-40CA-BA2C-16ACC755EDB9}" destId="{12E3BADD-C8C5-4022-9C26-D5F2D8BB16DE}" srcOrd="2" destOrd="0" parTransId="{3C4F4678-AA73-4DBF-81E4-5E380D2FAFE7}" sibTransId="{8181F098-EFA9-491D-B0EC-A64C885CF3FC}"/>
     <dgm:cxn modelId="{27F19E9C-6D0F-4B9C-8675-E8AF02880D33}" type="presOf" srcId="{09433456-D4B0-4DCC-AE28-B42AB2D6ED72}" destId="{3C112455-9439-49C2-B4A6-8F1C60EFD5B4}" srcOrd="0" destOrd="0" presId="urn:microsoft.com/office/officeart/2018/2/layout/IconVerticalSolidList"/>
     <dgm:cxn modelId="{8FB520AB-26F8-4638-96D7-2BE54AC9392D}" srcId="{C96F3859-7270-40CA-BA2C-16ACC755EDB9}" destId="{09433456-D4B0-4DCC-AE28-B42AB2D6ED72}" srcOrd="1" destOrd="0" parTransId="{BF766FB2-FDDB-4A31-AE8B-E1D4CB8B62E9}" sibTransId="{A2BF8D97-3690-4FCB-BA5A-896B86F22FE1}"/>
     <dgm:cxn modelId="{E954FAB0-E7D1-47B1-BBCF-0150EAB6023C}" type="presOf" srcId="{50230A85-A8EB-4218-852D-D065A7C336EB}" destId="{1CB1A148-3822-4F2A-8FD3-3436D14E25EF}" srcOrd="0" destOrd="1" presId="urn:microsoft.com/office/officeart/2018/2/layout/IconVerticalSolidList"/>
@@ -7040,7 +7040,7 @@
           <a:p>
             <a:fld id="{BE2B00AA-299B-5647-A2F5-64E8DC459606}" type="datetimeFigureOut">
               <a:rPr lang="en-US" smtClean="0"/>
-              <a:t>12/6/19</a:t>
+              <a:t>10/28/2020</a:t>
             </a:fld>
             <a:endParaRPr lang="en-US"/>
           </a:p>
@@ -9272,7 +9272,7 @@
           <a:p>
             <a:fld id="{F7AFFB9B-9FB8-469E-96F9-4D32314110B6}" type="datetimeFigureOut">
               <a:rPr lang="en-US" dirty="0"/>
-              <a:t>12/6/19</a:t>
+              <a:t>10/28/2020</a:t>
             </a:fld>
             <a:endParaRPr lang="en-US" dirty="0"/>
           </a:p>
@@ -9600,7 +9600,7 @@
           <a:p>
             <a:fld id="{341D2AC3-6A0B-4169-B1EA-E3AE8B351BDD}" type="datetimeFigureOut">
               <a:rPr lang="en-US" dirty="0"/>
-              <a:t>12/6/19</a:t>
+              <a:t>10/28/2020</a:t>
             </a:fld>
             <a:endParaRPr lang="en-US" dirty="0"/>
           </a:p>
@@ -9791,7 +9791,7 @@
           <a:p>
             <a:fld id="{DD4B9363-8B87-41B7-9F8E-64519CBB8F34}" type="datetimeFigureOut">
               <a:rPr lang="en-US" dirty="0"/>
-              <a:t>12/6/19</a:t>
+              <a:t>10/28/2020</a:t>
             </a:fld>
             <a:endParaRPr lang="en-US" dirty="0"/>
           </a:p>
@@ -10056,7 +10056,7 @@
           <a:p>
             <a:fld id="{EAEF5746-5284-4951-9F37-7AE924EDBCB7}" type="datetimeFigureOut">
               <a:rPr lang="en-US" dirty="0"/>
-              <a:t>12/6/19</a:t>
+              <a:t>10/28/2020</a:t>
             </a:fld>
             <a:endParaRPr lang="en-US" dirty="0"/>
           </a:p>
@@ -10479,7 +10479,7 @@
           <a:p>
             <a:fld id="{02398B29-7265-4A65-A2A4-6703C057B7C1}" type="datetimeFigureOut">
               <a:rPr lang="en-US" dirty="0"/>
-              <a:t>12/6/19</a:t>
+              <a:t>10/28/2020</a:t>
             </a:fld>
             <a:endParaRPr lang="en-US" dirty="0"/>
           </a:p>
@@ -11024,7 +11024,7 @@
           <a:p>
             <a:fld id="{28FBA082-94DF-4C4B-A041-6624924AB0A8}" type="datetimeFigureOut">
               <a:rPr lang="en-US" dirty="0"/>
-              <a:t>12/6/19</a:t>
+              <a:t>10/28/2020</a:t>
             </a:fld>
             <a:endParaRPr lang="en-US" dirty="0"/>
           </a:p>
@@ -11809,7 +11809,7 @@
           <a:p>
             <a:fld id="{B27686C4-3AB5-4E0C-86CA-FB108C350AA9}" type="datetimeFigureOut">
               <a:rPr lang="en-US" dirty="0"/>
-              <a:t>12/6/19</a:t>
+              <a:t>10/28/2020</a:t>
             </a:fld>
             <a:endParaRPr lang="en-US" dirty="0"/>
           </a:p>
@@ -11983,7 +11983,7 @@
           <a:p>
             <a:fld id="{49FF1211-4E0C-4AB3-B04F-585959BDAFE8}" type="datetimeFigureOut">
               <a:rPr lang="en-US" dirty="0"/>
-              <a:t>12/6/19</a:t>
+              <a:t>10/28/2020</a:t>
             </a:fld>
             <a:endParaRPr lang="en-US" dirty="0"/>
           </a:p>
@@ -12162,7 +12162,7 @@
           <a:p>
             <a:fld id="{28BDECAF-D3BE-4069-9C78-642ECCD01477}" type="datetimeFigureOut">
               <a:rPr lang="en-US" dirty="0"/>
-              <a:t>12/6/19</a:t>
+              <a:t>10/28/2020</a:t>
             </a:fld>
             <a:endParaRPr lang="en-US" dirty="0"/>
           </a:p>
@@ -12332,7 +12332,7 @@
           <a:p>
             <a:fld id="{8EFBDC27-E420-4878-9EE6-7B9656D6442A}" type="datetimeFigureOut">
               <a:rPr lang="en-US" dirty="0"/>
-              <a:t>12/6/19</a:t>
+              <a:t>10/28/2020</a:t>
             </a:fld>
             <a:endParaRPr lang="en-US" dirty="0"/>
           </a:p>
@@ -12577,7 +12577,7 @@
           <a:p>
             <a:fld id="{0F7F47CF-67C9-420C-80A5-E2069FF0C2DF}" type="datetimeFigureOut">
               <a:rPr lang="en-US" dirty="0"/>
-              <a:t>12/6/19</a:t>
+              <a:t>10/28/2020</a:t>
             </a:fld>
             <a:endParaRPr lang="en-US" dirty="0"/>
           </a:p>
@@ -12809,7 +12809,7 @@
           <a:p>
             <a:fld id="{AE22DC73-F065-42F5-A9F2-D90B2E42A0B3}" type="datetimeFigureOut">
               <a:rPr lang="en-US" dirty="0"/>
-              <a:t>12/6/19</a:t>
+              <a:t>10/28/2020</a:t>
             </a:fld>
             <a:endParaRPr lang="en-US" dirty="0"/>
           </a:p>
@@ -13189,7 +13189,7 @@
           <a:p>
             <a:fld id="{76BEA702-9B29-41CC-9BCC-3DF8A0D379FE}" type="datetimeFigureOut">
               <a:rPr lang="en-US" dirty="0"/>
-              <a:t>12/6/19</a:t>
+              <a:t>10/28/2020</a:t>
             </a:fld>
             <a:endParaRPr lang="en-US" dirty="0"/>
           </a:p>
@@ -13302,7 +13302,7 @@
           <a:p>
             <a:fld id="{097649AC-CB8F-4FF1-9A34-5861C74DD0A7}" type="datetimeFigureOut">
               <a:rPr lang="en-US" dirty="0"/>
-              <a:t>12/6/19</a:t>
+              <a:t>10/28/2020</a:t>
             </a:fld>
             <a:endParaRPr lang="en-US" dirty="0"/>
           </a:p>
@@ -13392,7 +13392,7 @@
           <a:p>
             <a:fld id="{3EC5CECA-2D3A-4680-9B49-752200DE467C}" type="datetimeFigureOut">
               <a:rPr lang="en-US" dirty="0"/>
-              <a:t>12/6/19</a:t>
+              <a:t>10/28/2020</a:t>
             </a:fld>
             <a:endParaRPr lang="en-US" dirty="0"/>
           </a:p>
@@ -13640,7 +13640,7 @@
           <a:p>
             <a:fld id="{50C3BFE2-83B7-4B0A-B9D3-AB28331082B3}" type="datetimeFigureOut">
               <a:rPr lang="en-US" dirty="0"/>
-              <a:t>12/6/19</a:t>
+              <a:t>10/28/2020</a:t>
             </a:fld>
             <a:endParaRPr lang="en-US" dirty="0"/>
           </a:p>
@@ -13904,7 +13904,7 @@
           <a:p>
             <a:fld id="{12EF78E3-FDA3-4D28-AAA2-0B81F349A39D}" type="datetimeFigureOut">
               <a:rPr lang="en-US" dirty="0"/>
-              <a:t>12/6/19</a:t>
+              <a:t>10/28/2020</a:t>
             </a:fld>
             <a:endParaRPr lang="en-US" dirty="0"/>
           </a:p>
@@ -14302,7 +14302,7 @@
           <a:p>
             <a:fld id="{C35BB1C6-BF8F-4481-8AB2-603A1C8A906A}" type="datetimeFigureOut">
               <a:rPr lang="en-US" dirty="0"/>
-              <a:t>12/6/19</a:t>
+              <a:t>10/28/2020</a:t>
             </a:fld>
             <a:endParaRPr lang="en-US" dirty="0"/>
           </a:p>
@@ -15192,21 +15192,21 @@
           <p:nvPr>
             <p:extLst>
               <p:ext uri="{D42A27DB-BD31-4B8C-83A1-F6EECF244321}">
-                <p14:modId xmlns:p14="http://schemas.microsoft.com/office/powerpoint/2010/main" val="1210533846"/>
+                <p14:modId xmlns:p14="http://schemas.microsoft.com/office/powerpoint/2010/main" val="2950346614"/>
               </p:ext>
             </p:extLst>
           </p:nvPr>
         </p:nvGraphicFramePr>
         <p:xfrm>
-          <a:off x="396843" y="1638380"/>
-          <a:ext cx="10912828" cy="3174517"/>
+          <a:off x="365760" y="1638380"/>
+          <a:ext cx="10943911" cy="3174517"/>
         </p:xfrm>
         <a:graphic>
           <a:graphicData uri="http://schemas.openxmlformats.org/drawingml/2006/table">
             <a:tbl>
               <a:tblPr firstRow="1" firstCol="1" lastRow="1" lastCol="1"/>
               <a:tblGrid>
-                <a:gridCol w="1029504">
+                <a:gridCol w="1060587">
                   <a:extLst>
                     <a:ext uri="{9D8B030D-6E8A-4147-A177-3AD203B41FA5}">
                       <a16:colId xmlns:a16="http://schemas.microsoft.com/office/drawing/2014/main" val="1802219281"/>
@@ -15327,7 +15327,7 @@
                         </a:spcAft>
                       </a:pPr>
                       <a:r>
-                        <a:rPr lang="en-US" sz="1400" b="0" i="0" u="none" strike="noStrike">
+                        <a:rPr lang="en-US" sz="1400" b="0" i="0" u="none" strike="noStrike" dirty="0">
                           <a:effectLst/>
                           <a:latin typeface="Cambria" panose="02040503050406030204" pitchFamily="18" charset="0"/>
                           <a:ea typeface="Cambria" panose="02040503050406030204" pitchFamily="18" charset="0"/>
@@ -15335,7 +15335,7 @@
                         </a:rPr>
                         <a:t>opponent</a:t>
                       </a:r>
-                      <a:endParaRPr lang="en-US" sz="2100" b="0" i="0" u="none" strike="noStrike">
+                      <a:endParaRPr lang="en-US" sz="2100" b="0" i="0" u="none" strike="noStrike" dirty="0">
                         <a:effectLst/>
                         <a:latin typeface="Arial" panose="020B0604020202020204" pitchFamily="34" charset="0"/>
                       </a:endParaRPr>
@@ -16069,7 +16069,7 @@
                         </a:spcAft>
                       </a:pPr>
                       <a:r>
-                        <a:rPr lang="en-US" sz="1400" b="0" i="0" u="none" strike="noStrike">
+                        <a:rPr lang="en-US" sz="1400" b="0" i="0" u="none" strike="noStrike" dirty="0">
                           <a:effectLst/>
                           <a:latin typeface="Cambria" panose="02040503050406030204" pitchFamily="18" charset="0"/>
                           <a:ea typeface="Cambria" panose="02040503050406030204" pitchFamily="18" charset="0"/>
@@ -16077,7 +16077,7 @@
                         </a:rPr>
                         <a:t>MIA</a:t>
                       </a:r>
-                      <a:endParaRPr lang="en-US" sz="2100" b="0" i="0" u="none" strike="noStrike">
+                      <a:endParaRPr lang="en-US" sz="2100" b="0" i="0" u="none" strike="noStrike" dirty="0">
                         <a:effectLst/>
                         <a:latin typeface="Arial" panose="020B0604020202020204" pitchFamily="34" charset="0"/>
                       </a:endParaRPr>
@@ -16167,7 +16167,7 @@
                         </a:spcAft>
                       </a:pPr>
                       <a:r>
-                        <a:rPr lang="en-US" sz="1400" b="0" i="0" u="none" strike="noStrike">
+                        <a:rPr lang="en-US" sz="1400" b="0" i="0" u="none" strike="noStrike" dirty="0">
                           <a:effectLst/>
                           <a:latin typeface="Cambria" panose="02040503050406030204" pitchFamily="18" charset="0"/>
                           <a:ea typeface="Cambria" panose="02040503050406030204" pitchFamily="18" charset="0"/>
@@ -16175,7 +16175,7 @@
                         </a:rPr>
                         <a:t>643</a:t>
                       </a:r>
-                      <a:endParaRPr lang="en-US" sz="2100" b="0" i="0" u="none" strike="noStrike">
+                      <a:endParaRPr lang="en-US" sz="2100" b="0" i="0" u="none" strike="noStrike" dirty="0">
                         <a:effectLst/>
                         <a:latin typeface="Arial" panose="020B0604020202020204" pitchFamily="34" charset="0"/>
                       </a:endParaRPr>
@@ -16811,7 +16811,7 @@
                         </a:spcAft>
                       </a:pPr>
                       <a:r>
-                        <a:rPr lang="en-US" sz="1400" b="0" i="0" u="none" strike="noStrike">
+                        <a:rPr lang="en-US" sz="1400" b="0" i="0" u="none" strike="noStrike" dirty="0">
                           <a:effectLst/>
                           <a:latin typeface="Cambria" panose="02040503050406030204" pitchFamily="18" charset="0"/>
                           <a:ea typeface="Cambria" panose="02040503050406030204" pitchFamily="18" charset="0"/>
@@ -16819,7 +16819,7 @@
                         </a:rPr>
                         <a:t>ARI</a:t>
                       </a:r>
-                      <a:endParaRPr lang="en-US" sz="2100" b="0" i="0" u="none" strike="noStrike">
+                      <a:endParaRPr lang="en-US" sz="2100" b="0" i="0" u="none" strike="noStrike" dirty="0">
                         <a:effectLst/>
                         <a:latin typeface="Arial" panose="020B0604020202020204" pitchFamily="34" charset="0"/>
                       </a:endParaRPr>
@@ -17463,7 +17463,7 @@
                         </a:spcAft>
                       </a:pPr>
                       <a:r>
-                        <a:rPr lang="en-US" sz="1400" b="0" i="0" u="none" strike="noStrike">
+                        <a:rPr lang="en-US" sz="1400" b="0" i="0" u="none" strike="noStrike" dirty="0">
                           <a:effectLst/>
                           <a:latin typeface="Cambria" panose="02040503050406030204" pitchFamily="18" charset="0"/>
                           <a:ea typeface="Cambria" panose="02040503050406030204" pitchFamily="18" charset="0"/>
@@ -17471,7 +17471,7 @@
                         </a:rPr>
                         <a:t>KC</a:t>
                       </a:r>
-                      <a:endParaRPr lang="en-US" sz="2100" b="0" i="0" u="none" strike="noStrike">
+                      <a:endParaRPr lang="en-US" sz="2100" b="0" i="0" u="none" strike="noStrike" dirty="0">
                         <a:effectLst/>
                         <a:latin typeface="Arial" panose="020B0604020202020204" pitchFamily="34" charset="0"/>
                       </a:endParaRPr>
@@ -17635,7 +17635,7 @@
                         </a:spcAft>
                       </a:pPr>
                       <a:r>
-                        <a:rPr lang="en-US" sz="1400" b="0" i="0" u="none" strike="noStrike">
+                        <a:rPr lang="en-US" sz="1400" b="0" i="0" u="none" strike="noStrike" dirty="0">
                           <a:effectLst/>
                           <a:latin typeface="Cambria" panose="02040503050406030204" pitchFamily="18" charset="0"/>
                           <a:ea typeface="Cambria" panose="02040503050406030204" pitchFamily="18" charset="0"/>
@@ -17643,7 +17643,7 @@
                         </a:rPr>
                         <a:t>203</a:t>
                       </a:r>
-                      <a:endParaRPr lang="en-US" sz="2100" b="0" i="0" u="none" strike="noStrike">
+                      <a:endParaRPr lang="en-US" sz="2100" b="0" i="0" u="none" strike="noStrike" dirty="0">
                         <a:effectLst/>
                         <a:latin typeface="Arial" panose="020B0604020202020204" pitchFamily="34" charset="0"/>
                       </a:endParaRPr>
@@ -18115,7 +18115,7 @@
                         </a:spcAft>
                       </a:pPr>
                       <a:r>
-                        <a:rPr lang="en-US" sz="1400" b="0" i="0" u="none" strike="noStrike">
+                        <a:rPr lang="en-US" sz="1400" b="0" i="0" u="none" strike="noStrike" dirty="0">
                           <a:effectLst/>
                           <a:latin typeface="Cambria" panose="02040503050406030204" pitchFamily="18" charset="0"/>
                           <a:ea typeface="Cambria" panose="02040503050406030204" pitchFamily="18" charset="0"/>
@@ -18123,7 +18123,7 @@
                         </a:rPr>
                         <a:t>CLE</a:t>
                       </a:r>
-                      <a:endParaRPr lang="en-US" sz="2100" b="0" i="0" u="none" strike="noStrike">
+                      <a:endParaRPr lang="en-US" sz="2100" b="0" i="0" u="none" strike="noStrike" dirty="0">
                         <a:effectLst/>
                         <a:latin typeface="Arial" panose="020B0604020202020204" pitchFamily="34" charset="0"/>
                       </a:endParaRPr>
@@ -18158,7 +18158,7 @@
                         </a:spcAft>
                       </a:pPr>
                       <a:r>
-                        <a:rPr lang="en-US" sz="1400" b="0" i="0" u="none" strike="noStrike">
+                        <a:rPr lang="en-US" sz="1400" b="0" i="0" u="none" strike="noStrike" dirty="0">
                           <a:effectLst/>
                           <a:latin typeface="Cambria" panose="02040503050406030204" pitchFamily="18" charset="0"/>
                           <a:ea typeface="Cambria" panose="02040503050406030204" pitchFamily="18" charset="0"/>
@@ -18166,7 +18166,7 @@
                         </a:rPr>
                         <a:t>24</a:t>
                       </a:r>
-                      <a:endParaRPr lang="en-US" sz="2100" b="0" i="0" u="none" strike="noStrike">
+                      <a:endParaRPr lang="en-US" sz="2100" b="0" i="0" u="none" strike="noStrike" dirty="0">
                         <a:effectLst/>
                         <a:latin typeface="Arial" panose="020B0604020202020204" pitchFamily="34" charset="0"/>
                       </a:endParaRPr>
@@ -18767,7 +18767,7 @@
                         </a:spcAft>
                       </a:pPr>
                       <a:r>
-                        <a:rPr lang="en-US" sz="1400" b="0" i="0" u="none" strike="noStrike">
+                        <a:rPr lang="en-US" sz="1400" b="0" i="0" u="none" strike="noStrike" dirty="0">
                           <a:effectLst/>
                           <a:latin typeface="Cambria" panose="02040503050406030204" pitchFamily="18" charset="0"/>
                           <a:ea typeface="Cambria" panose="02040503050406030204" pitchFamily="18" charset="0"/>
@@ -18775,7 +18775,7 @@
                         </a:rPr>
                         <a:t>PIT</a:t>
                       </a:r>
-                      <a:endParaRPr lang="en-US" sz="2100" b="0" i="0" u="none" strike="noStrike">
+                      <a:endParaRPr lang="en-US" sz="2100" b="0" i="0" u="none" strike="noStrike" dirty="0">
                         <a:effectLst/>
                         <a:latin typeface="Arial" panose="020B0604020202020204" pitchFamily="34" charset="0"/>
                       </a:endParaRPr>
@@ -18810,7 +18810,7 @@
                         </a:spcAft>
                       </a:pPr>
                       <a:r>
-                        <a:rPr lang="en-US" sz="1400" b="0" i="0" u="none" strike="noStrike">
+                        <a:rPr lang="en-US" sz="1400" b="0" i="0" u="none" strike="noStrike" dirty="0">
                           <a:effectLst/>
                           <a:latin typeface="Cambria" panose="02040503050406030204" pitchFamily="18" charset="0"/>
                           <a:ea typeface="Cambria" panose="02040503050406030204" pitchFamily="18" charset="0"/>
@@ -18818,7 +18818,7 @@
                         </a:rPr>
                         <a:t>22</a:t>
                       </a:r>
-                      <a:endParaRPr lang="en-US" sz="2100" b="0" i="0" u="none" strike="noStrike">
+                      <a:endParaRPr lang="en-US" sz="2100" b="0" i="0" u="none" strike="noStrike" dirty="0">
                         <a:effectLst/>
                         <a:latin typeface="Arial" panose="020B0604020202020204" pitchFamily="34" charset="0"/>
                       </a:endParaRPr>
@@ -19283,7 +19283,7 @@
                         </a:spcAft>
                       </a:pPr>
                       <a:r>
-                        <a:rPr lang="en-US" sz="1400" b="0" i="0" u="none" strike="noStrike">
+                        <a:rPr lang="en-US" sz="1400" b="0" i="0" u="none" strike="noStrike" dirty="0">
                           <a:effectLst/>
                           <a:latin typeface="Cambria" panose="02040503050406030204" pitchFamily="18" charset="0"/>
                           <a:ea typeface="Cambria" panose="02040503050406030204" pitchFamily="18" charset="0"/>
@@ -19291,7 +19291,7 @@
                         </a:rPr>
                         <a:t>2019-10-06</a:t>
                       </a:r>
-                      <a:endParaRPr lang="en-US" sz="2100" b="0" i="0" u="none" strike="noStrike">
+                      <a:endParaRPr lang="en-US" sz="2100" b="0" i="0" u="none" strike="noStrike" dirty="0">
                         <a:effectLst/>
                         <a:latin typeface="Arial" panose="020B0604020202020204" pitchFamily="34" charset="0"/>
                       </a:endParaRPr>
@@ -19419,7 +19419,7 @@
                         </a:spcAft>
                       </a:pPr>
                       <a:r>
-                        <a:rPr lang="en-US" sz="1400" b="0" i="0" u="none" strike="noStrike">
+                        <a:rPr lang="en-US" sz="1400" b="0" i="0" u="none" strike="noStrike" dirty="0">
                           <a:effectLst/>
                           <a:latin typeface="Cambria" panose="02040503050406030204" pitchFamily="18" charset="0"/>
                           <a:ea typeface="Cambria" panose="02040503050406030204" pitchFamily="18" charset="0"/>
@@ -19427,7 +19427,7 @@
                         </a:rPr>
                         <a:t>CIN</a:t>
                       </a:r>
-                      <a:endParaRPr lang="en-US" sz="2100" b="0" i="0" u="none" strike="noStrike">
+                      <a:endParaRPr lang="en-US" sz="2100" b="0" i="0" u="none" strike="noStrike" dirty="0">
                         <a:effectLst/>
                         <a:latin typeface="Arial" panose="020B0604020202020204" pitchFamily="34" charset="0"/>
                       </a:endParaRPr>
@@ -19462,7 +19462,7 @@
                         </a:spcAft>
                       </a:pPr>
                       <a:r>
-                        <a:rPr lang="en-US" sz="1400" b="0" i="0" u="none" strike="noStrike">
+                        <a:rPr lang="en-US" sz="1400" b="0" i="0" u="none" strike="noStrike" dirty="0">
                           <a:effectLst/>
                           <a:latin typeface="Cambria" panose="02040503050406030204" pitchFamily="18" charset="0"/>
                           <a:ea typeface="Cambria" panose="02040503050406030204" pitchFamily="18" charset="0"/>
@@ -19470,7 +19470,7 @@
                         </a:rPr>
                         <a:t>26</a:t>
                       </a:r>
-                      <a:endParaRPr lang="en-US" sz="2100" b="0" i="0" u="none" strike="noStrike">
+                      <a:endParaRPr lang="en-US" sz="2100" b="0" i="0" u="none" strike="noStrike" dirty="0">
                         <a:effectLst/>
                         <a:latin typeface="Arial" panose="020B0604020202020204" pitchFamily="34" charset="0"/>
                       </a:endParaRPr>
@@ -19505,7 +19505,7 @@
                         </a:spcAft>
                       </a:pPr>
                       <a:r>
-                        <a:rPr lang="en-US" sz="1400" b="0" i="0" u="none" strike="noStrike">
+                        <a:rPr lang="en-US" sz="1400" b="0" i="0" u="none" strike="noStrike" dirty="0">
                           <a:effectLst/>
                           <a:latin typeface="Cambria" panose="02040503050406030204" pitchFamily="18" charset="0"/>
                           <a:ea typeface="Cambria" panose="02040503050406030204" pitchFamily="18" charset="0"/>
@@ -19513,7 +19513,7 @@
                         </a:rPr>
                         <a:t>497</a:t>
                       </a:r>
-                      <a:endParaRPr lang="en-US" sz="2100" b="0" i="0" u="none" strike="noStrike">
+                      <a:endParaRPr lang="en-US" sz="2100" b="0" i="0" u="none" strike="noStrike" dirty="0">
                         <a:effectLst/>
                         <a:latin typeface="Arial" panose="020B0604020202020204" pitchFamily="34" charset="0"/>
                       </a:endParaRPr>
@@ -19548,7 +19548,7 @@
                         </a:spcAft>
                       </a:pPr>
                       <a:r>
-                        <a:rPr lang="en-US" sz="1400" b="0" i="0" u="none" strike="noStrike">
+                        <a:rPr lang="en-US" sz="1400" b="0" i="0" u="none" strike="noStrike" dirty="0">
                           <a:effectLst/>
                           <a:latin typeface="Cambria" panose="02040503050406030204" pitchFamily="18" charset="0"/>
                           <a:ea typeface="Cambria" panose="02040503050406030204" pitchFamily="18" charset="0"/>
@@ -19556,7 +19556,7 @@
                         </a:rPr>
                         <a:t>228</a:t>
                       </a:r>
-                      <a:endParaRPr lang="en-US" sz="2100" b="0" i="0" u="none" strike="noStrike">
+                      <a:endParaRPr lang="en-US" sz="2100" b="0" i="0" u="none" strike="noStrike" dirty="0">
                         <a:effectLst/>
                         <a:latin typeface="Arial" panose="020B0604020202020204" pitchFamily="34" charset="0"/>
                       </a:endParaRPr>
@@ -19591,7 +19591,7 @@
                         </a:spcAft>
                       </a:pPr>
                       <a:r>
-                        <a:rPr lang="en-US" sz="1400" b="0" i="0" u="none" strike="noStrike">
+                        <a:rPr lang="en-US" sz="1400" b="0" i="0" u="none" strike="noStrike" dirty="0">
                           <a:effectLst/>
                           <a:latin typeface="Cambria" panose="02040503050406030204" pitchFamily="18" charset="0"/>
                           <a:ea typeface="Cambria" panose="02040503050406030204" pitchFamily="18" charset="0"/>
@@ -19599,7 +19599,7 @@
                         </a:rPr>
                         <a:t>269</a:t>
                       </a:r>
-                      <a:endParaRPr lang="en-US" sz="2100" b="0" i="0" u="none" strike="noStrike">
+                      <a:endParaRPr lang="en-US" sz="2100" b="0" i="0" u="none" strike="noStrike" dirty="0">
                         <a:effectLst/>
                         <a:latin typeface="Arial" panose="020B0604020202020204" pitchFamily="34" charset="0"/>
                       </a:endParaRPr>
@@ -19634,7 +19634,7 @@
                         </a:spcAft>
                       </a:pPr>
                       <a:r>
-                        <a:rPr lang="en-US" sz="1400" b="0" i="0" u="none" strike="noStrike">
+                        <a:rPr lang="en-US" sz="1400" b="0" i="0" u="none" strike="noStrike" dirty="0">
                           <a:effectLst/>
                           <a:latin typeface="Cambria" panose="02040503050406030204" pitchFamily="18" charset="0"/>
                           <a:ea typeface="Cambria" panose="02040503050406030204" pitchFamily="18" charset="0"/>
@@ -19642,7 +19642,7 @@
                         </a:rPr>
                         <a:t>10</a:t>
                       </a:r>
-                      <a:endParaRPr lang="en-US" sz="2100" b="0" i="0" u="none" strike="noStrike">
+                      <a:endParaRPr lang="en-US" sz="2100" b="0" i="0" u="none" strike="noStrike" dirty="0">
                         <a:effectLst/>
                         <a:latin typeface="Arial" panose="020B0604020202020204" pitchFamily="34" charset="0"/>
                       </a:endParaRPr>
@@ -19677,7 +19677,7 @@
                         </a:spcAft>
                       </a:pPr>
                       <a:r>
-                        <a:rPr lang="en-US" sz="1400" b="0" i="0" u="none" strike="noStrike">
+                        <a:rPr lang="en-US" sz="1400" b="0" i="0" u="none" strike="noStrike" dirty="0">
                           <a:effectLst/>
                           <a:latin typeface="Cambria" panose="02040503050406030204" pitchFamily="18" charset="0"/>
                           <a:ea typeface="Cambria" panose="02040503050406030204" pitchFamily="18" charset="0"/>
@@ -19685,7 +19685,7 @@
                         </a:rPr>
                         <a:t>81</a:t>
                       </a:r>
-                      <a:endParaRPr lang="en-US" sz="2100" b="0" i="0" u="none" strike="noStrike">
+                      <a:endParaRPr lang="en-US" sz="2100" b="0" i="0" u="none" strike="noStrike" dirty="0">
                         <a:effectLst/>
                         <a:latin typeface="Arial" panose="020B0604020202020204" pitchFamily="34" charset="0"/>
                       </a:endParaRPr>
@@ -19720,7 +19720,7 @@
                         </a:spcAft>
                       </a:pPr>
                       <a:r>
-                        <a:rPr lang="en-US" sz="1400" b="0" i="0" u="none" strike="noStrike">
+                        <a:rPr lang="en-US" sz="1400" b="0" i="0" u="none" strike="noStrike" dirty="0">
                           <a:effectLst/>
                           <a:latin typeface="Cambria" panose="02040503050406030204" pitchFamily="18" charset="0"/>
                           <a:ea typeface="Cambria" panose="02040503050406030204" pitchFamily="18" charset="0"/>
@@ -19728,7 +19728,7 @@
                         </a:rPr>
                         <a:t>1</a:t>
                       </a:r>
-                      <a:endParaRPr lang="en-US" sz="2100" b="0" i="0" u="none" strike="noStrike">
+                      <a:endParaRPr lang="en-US" sz="2100" b="0" i="0" u="none" strike="noStrike" dirty="0">
                         <a:effectLst/>
                         <a:latin typeface="Arial" panose="020B0604020202020204" pitchFamily="34" charset="0"/>
                       </a:endParaRPr>
@@ -19763,7 +19763,7 @@
                         </a:spcAft>
                       </a:pPr>
                       <a:r>
-                        <a:rPr lang="en-US" sz="1400" b="0" i="0" u="none" strike="noStrike">
+                        <a:rPr lang="en-US" sz="1400" b="0" i="0" u="none" strike="noStrike" dirty="0">
                           <a:effectLst/>
                           <a:latin typeface="Cambria" panose="02040503050406030204" pitchFamily="18" charset="0"/>
                           <a:ea typeface="Cambria" panose="02040503050406030204" pitchFamily="18" charset="0"/>
@@ -19771,7 +19771,7 @@
                         </a:rPr>
                         <a:t>2</a:t>
                       </a:r>
-                      <a:endParaRPr lang="en-US" sz="2100" b="0" i="0" u="none" strike="noStrike">
+                      <a:endParaRPr lang="en-US" sz="2100" b="0" i="0" u="none" strike="noStrike" dirty="0">
                         <a:effectLst/>
                         <a:latin typeface="Arial" panose="020B0604020202020204" pitchFamily="34" charset="0"/>
                       </a:endParaRPr>
@@ -19806,7 +19806,7 @@
                         </a:spcAft>
                       </a:pPr>
                       <a:r>
-                        <a:rPr lang="en-US" sz="1400" b="0" i="0" u="none" strike="noStrike">
+                        <a:rPr lang="en-US" sz="1400" b="0" i="0" u="none" strike="noStrike" dirty="0">
                           <a:effectLst/>
                           <a:latin typeface="Cambria" panose="02040503050406030204" pitchFamily="18" charset="0"/>
                           <a:ea typeface="Cambria" panose="02040503050406030204" pitchFamily="18" charset="0"/>
@@ -19814,7 +19814,7 @@
                         </a:rPr>
                         <a:t>84</a:t>
                       </a:r>
-                      <a:endParaRPr lang="en-US" sz="2100" b="0" i="0" u="none" strike="noStrike">
+                      <a:endParaRPr lang="en-US" sz="2100" b="0" i="0" u="none" strike="noStrike" dirty="0">
                         <a:effectLst/>
                         <a:latin typeface="Arial" panose="020B0604020202020204" pitchFamily="34" charset="0"/>
                       </a:endParaRPr>
@@ -19849,7 +19849,7 @@
                         </a:spcAft>
                       </a:pPr>
                       <a:r>
-                        <a:rPr lang="en-US" sz="1400" b="0" i="0" u="none" strike="noStrike">
+                        <a:rPr lang="en-US" sz="1400" b="0" i="0" u="none" strike="noStrike" dirty="0">
                           <a:effectLst/>
                           <a:latin typeface="Cambria" panose="02040503050406030204" pitchFamily="18" charset="0"/>
                           <a:ea typeface="Cambria" panose="02040503050406030204" pitchFamily="18" charset="0"/>
@@ -19857,7 +19857,7 @@
                         </a:rPr>
                         <a:t>32</a:t>
                       </a:r>
-                      <a:endParaRPr lang="en-US" sz="2100" b="0" i="0" u="none" strike="noStrike">
+                      <a:endParaRPr lang="en-US" sz="2100" b="0" i="0" u="none" strike="noStrike" dirty="0">
                         <a:effectLst/>
                         <a:latin typeface="Arial" panose="020B0604020202020204" pitchFamily="34" charset="0"/>
                       </a:endParaRPr>
@@ -19892,7 +19892,7 @@
                         </a:spcAft>
                       </a:pPr>
                       <a:r>
-                        <a:rPr lang="en-US" sz="1400" b="0" i="0" u="none" strike="noStrike">
+                        <a:rPr lang="en-US" sz="1400" b="0" i="0" u="none" strike="noStrike" dirty="0">
                           <a:effectLst/>
                           <a:latin typeface="Cambria" panose="02040503050406030204" pitchFamily="18" charset="0"/>
                           <a:ea typeface="Cambria" panose="02040503050406030204" pitchFamily="18" charset="0"/>
@@ -19900,7 +19900,7 @@
                         </a:rPr>
                         <a:t>6</a:t>
                       </a:r>
-                      <a:endParaRPr lang="en-US" sz="2100" b="0" i="0" u="none" strike="noStrike">
+                      <a:endParaRPr lang="en-US" sz="2100" b="0" i="0" u="none" strike="noStrike" dirty="0">
                         <a:effectLst/>
                         <a:latin typeface="Arial" panose="020B0604020202020204" pitchFamily="34" charset="0"/>
                       </a:endParaRPr>
@@ -19935,7 +19935,7 @@
                         </a:spcAft>
                       </a:pPr>
                       <a:r>
-                        <a:rPr lang="en-US" sz="1400" b="0" i="0" u="none" strike="noStrike">
+                        <a:rPr lang="en-US" sz="1400" b="0" i="0" u="none" strike="noStrike" dirty="0">
                           <a:effectLst/>
                           <a:latin typeface="Cambria" panose="02040503050406030204" pitchFamily="18" charset="0"/>
                           <a:ea typeface="Cambria" panose="02040503050406030204" pitchFamily="18" charset="0"/>
@@ -19943,7 +19943,7 @@
                         </a:rPr>
                         <a:t>2019-10-13</a:t>
                       </a:r>
-                      <a:endParaRPr lang="en-US" sz="2100" b="0" i="0" u="none" strike="noStrike">
+                      <a:endParaRPr lang="en-US" sz="2100" b="0" i="0" u="none" strike="noStrike" dirty="0">
                         <a:effectLst/>
                         <a:latin typeface="Arial" panose="020B0604020202020204" pitchFamily="34" charset="0"/>
                       </a:endParaRPr>
@@ -19978,7 +19978,7 @@
                         </a:spcAft>
                       </a:pPr>
                       <a:r>
-                        <a:rPr lang="en-US" sz="1400" b="0" i="0" u="none" strike="noStrike">
+                        <a:rPr lang="en-US" sz="1400" b="0" i="0" u="none" strike="noStrike" dirty="0">
                           <a:effectLst/>
                           <a:latin typeface="Cambria" panose="02040503050406030204" pitchFamily="18" charset="0"/>
                           <a:ea typeface="Cambria" panose="02040503050406030204" pitchFamily="18" charset="0"/>
@@ -19986,7 +19986,7 @@
                         </a:rPr>
                         <a:t>1</a:t>
                       </a:r>
-                      <a:endParaRPr lang="en-US" sz="2100" b="0" i="0" u="none" strike="noStrike">
+                      <a:endParaRPr lang="en-US" sz="2100" b="0" i="0" u="none" strike="noStrike" dirty="0">
                         <a:effectLst/>
                         <a:latin typeface="Arial" panose="020B0604020202020204" pitchFamily="34" charset="0"/>
                       </a:endParaRPr>
@@ -20746,7 +20746,7 @@
                 <a:latin typeface="Arial" panose="020B0604020202020204" pitchFamily="34" charset="0"/>
                 <a:cs typeface="Arial" panose="020B0604020202020204" pitchFamily="34" charset="0"/>
               </a:rPr>
-              <a:t>Builds an ARIMA model for each selected team to predict score.</a:t>
+              <a:t>Method builds an ARIMA model for each selected team to predict score.</a:t>
             </a:r>
           </a:p>
           <a:p>
@@ -23856,13 +23856,13 @@
                         </a:spcAft>
                       </a:pPr>
                       <a:r>
-                        <a:rPr lang="en-US" sz="1600">
+                        <a:rPr lang="en-US" sz="1600" dirty="0">
                           <a:effectLst/>
                           <a:latin typeface="Helvetica" pitchFamily="2" charset="0"/>
                         </a:rPr>
                         <a:t>27.17111</a:t>
                       </a:r>
-                      <a:endParaRPr lang="en-US" sz="1600">
+                      <a:endParaRPr lang="en-US" sz="1600" dirty="0">
                         <a:effectLst/>
                         <a:latin typeface="Helvetica" pitchFamily="2" charset="0"/>
                         <a:ea typeface="Cambria" panose="02040503050406030204" pitchFamily="18" charset="0"/>
@@ -24133,13 +24133,13 @@
                         </a:spcAft>
                       </a:pPr>
                       <a:r>
-                        <a:rPr lang="en-US" sz="1600">
+                        <a:rPr lang="en-US" sz="1600" dirty="0">
                           <a:effectLst/>
                           <a:latin typeface="Helvetica" pitchFamily="2" charset="0"/>
                         </a:rPr>
                         <a:t>19.97455</a:t>
                       </a:r>
-                      <a:endParaRPr lang="en-US" sz="1600">
+                      <a:endParaRPr lang="en-US" sz="1600" dirty="0">
                         <a:effectLst/>
                         <a:latin typeface="Helvetica" pitchFamily="2" charset="0"/>
                         <a:ea typeface="Cambria" panose="02040503050406030204" pitchFamily="18" charset="0"/>
@@ -24163,13 +24163,13 @@
                         </a:spcAft>
                       </a:pPr>
                       <a:r>
-                        <a:rPr lang="en-US" sz="1600">
+                        <a:rPr lang="en-US" sz="1600" dirty="0">
                           <a:effectLst/>
                           <a:latin typeface="Helvetica" pitchFamily="2" charset="0"/>
                         </a:rPr>
                         <a:t>CHI</a:t>
                       </a:r>
-                      <a:endParaRPr lang="en-US" sz="1600">
+                      <a:endParaRPr lang="en-US" sz="1600" dirty="0">
                         <a:effectLst/>
                         <a:latin typeface="Helvetica" pitchFamily="2" charset="0"/>
                         <a:ea typeface="Cambria" panose="02040503050406030204" pitchFamily="18" charset="0"/>
@@ -24193,13 +24193,13 @@
                         </a:spcAft>
                       </a:pPr>
                       <a:r>
-                        <a:rPr lang="en-US" sz="1600">
+                        <a:rPr lang="en-US" sz="1600" dirty="0">
                           <a:effectLst/>
                           <a:latin typeface="Helvetica" pitchFamily="2" charset="0"/>
                         </a:rPr>
                         <a:t>35.51342</a:t>
                       </a:r>
-                      <a:endParaRPr lang="en-US" sz="1600">
+                      <a:endParaRPr lang="en-US" sz="1600" dirty="0">
                         <a:effectLst/>
                         <a:latin typeface="Helvetica" pitchFamily="2" charset="0"/>
                         <a:ea typeface="Cambria" panose="02040503050406030204" pitchFamily="18" charset="0"/>
@@ -24470,13 +24470,13 @@
                         </a:spcAft>
                       </a:pPr>
                       <a:r>
-                        <a:rPr lang="en-US" sz="1600">
+                        <a:rPr lang="en-US" sz="1600" dirty="0">
                           <a:effectLst/>
                           <a:latin typeface="Helvetica" pitchFamily="2" charset="0"/>
                         </a:rPr>
                         <a:t>24.03729</a:t>
                       </a:r>
-                      <a:endParaRPr lang="en-US" sz="1600">
+                      <a:endParaRPr lang="en-US" sz="1600" dirty="0">
                         <a:effectLst/>
                         <a:latin typeface="Helvetica" pitchFamily="2" charset="0"/>
                         <a:ea typeface="Cambria" panose="02040503050406030204" pitchFamily="18" charset="0"/>
@@ -24530,13 +24530,13 @@
                         </a:spcAft>
                       </a:pPr>
                       <a:r>
-                        <a:rPr lang="en-US" sz="1600">
+                        <a:rPr lang="en-US" sz="1600" dirty="0">
                           <a:effectLst/>
                           <a:latin typeface="Helvetica" pitchFamily="2" charset="0"/>
                         </a:rPr>
                         <a:t>45</a:t>
                       </a:r>
-                      <a:endParaRPr lang="en-US" sz="1600">
+                      <a:endParaRPr lang="en-US" sz="1600" dirty="0">
                         <a:effectLst/>
                         <a:latin typeface="Helvetica" pitchFamily="2" charset="0"/>
                         <a:ea typeface="Cambria" panose="02040503050406030204" pitchFamily="18" charset="0"/>
@@ -24560,13 +24560,13 @@
                         </a:spcAft>
                       </a:pPr>
                       <a:r>
-                        <a:rPr lang="en-US" sz="1600">
+                        <a:rPr lang="en-US" sz="1600" dirty="0">
                           <a:effectLst/>
                           <a:latin typeface="Helvetica" pitchFamily="2" charset="0"/>
                         </a:rPr>
                         <a:t>230.151950</a:t>
                       </a:r>
-                      <a:endParaRPr lang="en-US" sz="1600">
+                      <a:endParaRPr lang="en-US" sz="1600" dirty="0">
                         <a:effectLst/>
                         <a:latin typeface="Helvetica" pitchFamily="2" charset="0"/>
                         <a:ea typeface="Cambria" panose="02040503050406030204" pitchFamily="18" charset="0"/>
@@ -24590,13 +24590,13 @@
                         </a:spcAft>
                       </a:pPr>
                       <a:r>
-                        <a:rPr lang="en-US" sz="1600">
+                        <a:rPr lang="en-US" sz="1600" dirty="0">
                           <a:effectLst/>
                           <a:latin typeface="Helvetica" pitchFamily="2" charset="0"/>
                         </a:rPr>
                         <a:t>0.0013904</a:t>
                       </a:r>
-                      <a:endParaRPr lang="en-US" sz="1600">
+                      <a:endParaRPr lang="en-US" sz="1600" dirty="0">
                         <a:effectLst/>
                         <a:latin typeface="Helvetica" pitchFamily="2" charset="0"/>
                         <a:ea typeface="Cambria" panose="02040503050406030204" pitchFamily="18" charset="0"/>
